--- a/Documents/발표/Press The Command! 발표 PPT.pptx
+++ b/Documents/발표/Press The Command! 발표 PPT.pptx
@@ -4286,7 +4286,7 @@
         </p:nvSpPr>
         <p:spPr>
           <a:xfrm>
-            <a:off x="827584" y="2543574"/>
+            <a:off x="827584" y="2893246"/>
             <a:ext cx="1872208" cy="338554"/>
           </a:xfrm>
           <a:prstGeom prst="rect">
@@ -4407,7 +4407,7 @@
         </p:nvSpPr>
         <p:spPr>
           <a:xfrm>
-            <a:off x="827584" y="4680910"/>
+            <a:off x="827584" y="4917208"/>
             <a:ext cx="1872208" cy="338554"/>
           </a:xfrm>
           <a:prstGeom prst="rect">
@@ -4471,7 +4471,7 @@
         </p:nvSpPr>
         <p:spPr>
           <a:xfrm>
-            <a:off x="3635896" y="2543574"/>
+            <a:off x="3635896" y="2893246"/>
             <a:ext cx="1872208" cy="338554"/>
           </a:xfrm>
           <a:prstGeom prst="rect">
@@ -4549,7 +4549,7 @@
         </p:nvSpPr>
         <p:spPr>
           <a:xfrm>
-            <a:off x="6444208" y="2543574"/>
+            <a:off x="6444208" y="2893246"/>
             <a:ext cx="1872208" cy="338554"/>
           </a:xfrm>
           <a:prstGeom prst="rect">
@@ -4613,7 +4613,7 @@
         </p:nvSpPr>
         <p:spPr>
           <a:xfrm>
-            <a:off x="3635896" y="4680910"/>
+            <a:off x="3635896" y="4917208"/>
             <a:ext cx="1872208" cy="338554"/>
           </a:xfrm>
           <a:prstGeom prst="rect">
@@ -4677,7 +4677,7 @@
         </p:nvSpPr>
         <p:spPr>
           <a:xfrm>
-            <a:off x="6444208" y="4680910"/>
+            <a:off x="6444208" y="4917208"/>
             <a:ext cx="1872208" cy="338554"/>
           </a:xfrm>
           <a:prstGeom prst="rect">
@@ -4749,7 +4749,7 @@
         </p:blipFill>
         <p:spPr>
           <a:xfrm>
-            <a:off x="6932637" y="3732198"/>
+            <a:off x="6932637" y="3968496"/>
             <a:ext cx="895350" cy="866775"/>
           </a:xfrm>
           <a:prstGeom prst="rect">
@@ -4784,7 +4784,7 @@
         </p:blipFill>
         <p:spPr>
           <a:xfrm>
-            <a:off x="4124325" y="3732198"/>
+            <a:off x="4124325" y="3968496"/>
             <a:ext cx="895350" cy="866775"/>
           </a:xfrm>
           <a:prstGeom prst="rect">
@@ -4819,7 +4819,7 @@
         </p:blipFill>
         <p:spPr>
           <a:xfrm>
-            <a:off x="6923112" y="1553218"/>
+            <a:off x="6923112" y="1902890"/>
             <a:ext cx="914400" cy="914400"/>
           </a:xfrm>
           <a:prstGeom prst="rect">
@@ -4854,7 +4854,7 @@
         </p:blipFill>
         <p:spPr>
           <a:xfrm>
-            <a:off x="1306488" y="1551495"/>
+            <a:off x="1306488" y="1901167"/>
             <a:ext cx="914400" cy="914399"/>
           </a:xfrm>
           <a:prstGeom prst="rect">
@@ -4889,7 +4889,7 @@
         </p:blipFill>
         <p:spPr>
           <a:xfrm>
-            <a:off x="1316013" y="3732198"/>
+            <a:off x="1316013" y="3968496"/>
             <a:ext cx="895350" cy="866775"/>
           </a:xfrm>
           <a:prstGeom prst="rect">
@@ -4924,7 +4924,7 @@
         </p:blipFill>
         <p:spPr>
           <a:xfrm>
-            <a:off x="4079080" y="1547238"/>
+            <a:off x="4079080" y="1896910"/>
             <a:ext cx="914401" cy="914400"/>
           </a:xfrm>
           <a:prstGeom prst="rect">
@@ -4951,7 +4951,7 @@
         </p:nvSpPr>
         <p:spPr>
           <a:xfrm>
-            <a:off x="539552" y="2852936"/>
+            <a:off x="539552" y="3202608"/>
             <a:ext cx="2448272" cy="738664"/>
           </a:xfrm>
           <a:prstGeom prst="rect">
@@ -5139,7 +5139,7 @@
         </p:nvSpPr>
         <p:spPr>
           <a:xfrm>
-            <a:off x="3347864" y="2852936"/>
+            <a:off x="3347864" y="3202608"/>
             <a:ext cx="2448272" cy="738664"/>
           </a:xfrm>
           <a:prstGeom prst="rect">
@@ -5288,7 +5288,7 @@
         </p:nvSpPr>
         <p:spPr>
           <a:xfrm>
-            <a:off x="6156175" y="2852936"/>
+            <a:off x="6156175" y="3202608"/>
             <a:ext cx="2448272" cy="738664"/>
           </a:xfrm>
           <a:prstGeom prst="rect">
@@ -5437,7 +5437,7 @@
         </p:nvSpPr>
         <p:spPr>
           <a:xfrm>
-            <a:off x="539552" y="4982894"/>
+            <a:off x="539552" y="5219192"/>
             <a:ext cx="2448272" cy="738664"/>
           </a:xfrm>
           <a:prstGeom prst="rect">
@@ -5583,7 +5583,7 @@
         </p:nvSpPr>
         <p:spPr>
           <a:xfrm>
-            <a:off x="3347864" y="4982894"/>
+            <a:off x="3347864" y="5219192"/>
             <a:ext cx="2448272" cy="738664"/>
           </a:xfrm>
           <a:prstGeom prst="rect">
@@ -5758,7 +5758,7 @@
         </p:nvSpPr>
         <p:spPr>
           <a:xfrm>
-            <a:off x="6156175" y="4982894"/>
+            <a:off x="6156175" y="5219192"/>
             <a:ext cx="2448272" cy="738664"/>
           </a:xfrm>
           <a:prstGeom prst="rect">
@@ -6088,6 +6088,77 @@
           </a:extLst>
         </p:spPr>
       </p:pic>
+      <p:sp>
+        <p:nvSpPr>
+          <p:cNvPr id="4" name="TextBox 3">
+            <a:extLst>
+              <a:ext uri="{FF2B5EF4-FFF2-40B4-BE49-F238E27FC236}">
+                <a16:creationId xmlns:a16="http://schemas.microsoft.com/office/drawing/2014/main" id="{630F355F-4B34-4468-D30E-7DB158E35074}"/>
+              </a:ext>
+            </a:extLst>
+          </p:cNvPr>
+          <p:cNvSpPr txBox="1"/>
+          <p:nvPr/>
+        </p:nvSpPr>
+        <p:spPr>
+          <a:xfrm>
+            <a:off x="1250133" y="1430538"/>
+            <a:ext cx="6643734" cy="400110"/>
+          </a:xfrm>
+          <a:prstGeom prst="rect">
+            <a:avLst/>
+          </a:prstGeom>
+          <a:noFill/>
+        </p:spPr>
+        <p:txBody>
+          <a:bodyPr wrap="square" rtlCol="0">
+            <a:spAutoFit/>
+          </a:bodyPr>
+          <a:lstStyle/>
+          <a:p>
+            <a:pPr algn="ctr"/>
+            <a:r>
+              <a:rPr lang="ko-KR" altLang="en-US" sz="2000" dirty="0" err="1">
+                <a:latin typeface="210 트리거 R" panose="02020603020101020101" pitchFamily="18" charset="-127"/>
+                <a:ea typeface="210 트리거 R" panose="02020603020101020101" pitchFamily="18" charset="-127"/>
+              </a:rPr>
+              <a:t>팀명</a:t>
+            </a:r>
+            <a:r>
+              <a:rPr lang="ko-KR" altLang="en-US" sz="2000" dirty="0">
+                <a:latin typeface="210 트리거 R" panose="02020603020101020101" pitchFamily="18" charset="-127"/>
+                <a:ea typeface="210 트리거 R" panose="02020603020101020101" pitchFamily="18" charset="-127"/>
+              </a:rPr>
+              <a:t> </a:t>
+            </a:r>
+            <a:r>
+              <a:rPr lang="en-US" altLang="ko-KR" sz="2000" dirty="0">
+                <a:latin typeface="210 트리거 R" panose="02020603020101020101" pitchFamily="18" charset="-127"/>
+                <a:ea typeface="210 트리거 R" panose="02020603020101020101" pitchFamily="18" charset="-127"/>
+              </a:rPr>
+              <a:t>: 3</a:t>
+            </a:r>
+            <a:r>
+              <a:rPr lang="ko-KR" altLang="en-US" sz="2000" dirty="0">
+                <a:latin typeface="210 트리거 R" panose="02020603020101020101" pitchFamily="18" charset="-127"/>
+                <a:ea typeface="210 트리거 R" panose="02020603020101020101" pitchFamily="18" charset="-127"/>
+              </a:rPr>
+              <a:t>분마다 </a:t>
+            </a:r>
+            <a:r>
+              <a:rPr lang="en-US" altLang="ko-KR" sz="2000" dirty="0" err="1">
+                <a:latin typeface="210 트리거 R" panose="02020603020101020101" pitchFamily="18" charset="-127"/>
+                <a:ea typeface="210 트리거 R" panose="02020603020101020101" pitchFamily="18" charset="-127"/>
+              </a:rPr>
+              <a:t>Ctrl+S</a:t>
+            </a:r>
+            <a:endParaRPr lang="ko-KR" altLang="en-US" sz="2000" dirty="0">
+              <a:latin typeface="210 트리거 R" panose="02020603020101020101" pitchFamily="18" charset="-127"/>
+              <a:ea typeface="210 트리거 R" panose="02020603020101020101" pitchFamily="18" charset="-127"/>
+            </a:endParaRPr>
+          </a:p>
+        </p:txBody>
+      </p:sp>
     </p:spTree>
   </p:cSld>
   <p:clrMapOvr>
